--- a/docs/presentation.pptx
+++ b/docs/presentation.pptx
@@ -8,6 +8,7 @@
     <p:sldId id="259" r:id="rId2"/>
     <p:sldId id="257" r:id="rId3"/>
     <p:sldId id="258" r:id="rId4"/>
+    <p:sldId id="260" r:id="rId5"/>
   </p:sldIdLst>
   <p:sldSz cx="12192000" cy="6858000"/>
   <p:notesSz cx="6858000" cy="9144000"/>
@@ -269,7 +270,7 @@
           <a:p>
             <a:fld id="{43104FAA-A344-4F7B-B06C-7E93B14FBDA7}" type="datetimeFigureOut">
               <a:rPr lang="en-US" smtClean="0"/>
-              <a:t>1/19/2020</a:t>
+              <a:t>1/22/2020</a:t>
             </a:fld>
             <a:endParaRPr lang="en-US"/>
           </a:p>
@@ -444,7 +445,7 @@
           <a:p>
             <a:fld id="{43104FAA-A344-4F7B-B06C-7E93B14FBDA7}" type="datetimeFigureOut">
               <a:rPr lang="en-US" smtClean="0"/>
-              <a:t>1/19/2020</a:t>
+              <a:t>1/22/2020</a:t>
             </a:fld>
             <a:endParaRPr lang="en-US"/>
           </a:p>
@@ -624,7 +625,7 @@
           <a:p>
             <a:fld id="{43104FAA-A344-4F7B-B06C-7E93B14FBDA7}" type="datetimeFigureOut">
               <a:rPr lang="en-US" smtClean="0"/>
-              <a:t>1/19/2020</a:t>
+              <a:t>1/22/2020</a:t>
             </a:fld>
             <a:endParaRPr lang="en-US"/>
           </a:p>
@@ -794,7 +795,7 @@
           <a:p>
             <a:fld id="{43104FAA-A344-4F7B-B06C-7E93B14FBDA7}" type="datetimeFigureOut">
               <a:rPr lang="en-US" smtClean="0"/>
-              <a:t>1/19/2020</a:t>
+              <a:t>1/22/2020</a:t>
             </a:fld>
             <a:endParaRPr lang="en-US"/>
           </a:p>
@@ -1054,7 +1055,7 @@
           <a:p>
             <a:fld id="{43104FAA-A344-4F7B-B06C-7E93B14FBDA7}" type="datetimeFigureOut">
               <a:rPr lang="en-US" smtClean="0"/>
-              <a:t>1/19/2020</a:t>
+              <a:t>1/22/2020</a:t>
             </a:fld>
             <a:endParaRPr lang="en-US"/>
           </a:p>
@@ -1286,7 +1287,7 @@
           <a:p>
             <a:fld id="{43104FAA-A344-4F7B-B06C-7E93B14FBDA7}" type="datetimeFigureOut">
               <a:rPr lang="en-US" smtClean="0"/>
-              <a:t>1/19/2020</a:t>
+              <a:t>1/22/2020</a:t>
             </a:fld>
             <a:endParaRPr lang="en-US"/>
           </a:p>
@@ -1646,7 +1647,7 @@
           <a:p>
             <a:fld id="{43104FAA-A344-4F7B-B06C-7E93B14FBDA7}" type="datetimeFigureOut">
               <a:rPr lang="en-US" smtClean="0"/>
-              <a:t>1/19/2020</a:t>
+              <a:t>1/22/2020</a:t>
             </a:fld>
             <a:endParaRPr lang="en-US"/>
           </a:p>
@@ -1787,7 +1788,7 @@
           <a:p>
             <a:fld id="{43104FAA-A344-4F7B-B06C-7E93B14FBDA7}" type="datetimeFigureOut">
               <a:rPr lang="en-US" smtClean="0"/>
-              <a:t>1/19/2020</a:t>
+              <a:t>1/22/2020</a:t>
             </a:fld>
             <a:endParaRPr lang="en-US"/>
           </a:p>
@@ -1882,7 +1883,7 @@
           <a:p>
             <a:fld id="{43104FAA-A344-4F7B-B06C-7E93B14FBDA7}" type="datetimeFigureOut">
               <a:rPr lang="en-US" smtClean="0"/>
-              <a:t>1/19/2020</a:t>
+              <a:t>1/22/2020</a:t>
             </a:fld>
             <a:endParaRPr lang="en-US"/>
           </a:p>
@@ -2244,7 +2245,7 @@
           <a:p>
             <a:fld id="{43104FAA-A344-4F7B-B06C-7E93B14FBDA7}" type="datetimeFigureOut">
               <a:rPr lang="en-US" smtClean="0"/>
-              <a:t>1/19/2020</a:t>
+              <a:t>1/22/2020</a:t>
             </a:fld>
             <a:endParaRPr lang="en-US"/>
           </a:p>
@@ -2567,7 +2568,7 @@
           <a:p>
             <a:fld id="{43104FAA-A344-4F7B-B06C-7E93B14FBDA7}" type="datetimeFigureOut">
               <a:rPr lang="en-US" smtClean="0"/>
-              <a:t>1/19/2020</a:t>
+              <a:t>1/22/2020</a:t>
             </a:fld>
             <a:endParaRPr lang="en-US"/>
           </a:p>
@@ -2811,7 +2812,7 @@
           <a:p>
             <a:fld id="{43104FAA-A344-4F7B-B06C-7E93B14FBDA7}" type="datetimeFigureOut">
               <a:rPr lang="en-US" smtClean="0"/>
-              <a:t>1/19/2020</a:t>
+              <a:t>1/22/2020</a:t>
             </a:fld>
             <a:endParaRPr lang="en-US"/>
           </a:p>
@@ -3312,40 +3313,75 @@
           <a:lstStyle/>
           <a:p>
             <a:r>
-              <a:rPr lang="en-US" sz="1800" dirty="0" smtClean="0">
+              <a:rPr lang="en-US" dirty="0" smtClean="0">
                 <a:latin typeface="Consolas" panose="020B0609020204030204" pitchFamily="49" charset="0"/>
                 <a:cs typeface="Segoe UI" panose="020B0502040204020203" pitchFamily="34" charset="0"/>
               </a:rPr>
-              <a:t>Input:  100~240</a:t>
-            </a:r>
-            <a:r>
-              <a:rPr lang="en-US" sz="1800" dirty="0" smtClean="0">
+              <a:t>Input:  </a:t>
+            </a:r>
+            <a:r>
+              <a:rPr lang="en-US" dirty="0" smtClean="0">
                 <a:latin typeface="Consolas" panose="020B0609020204030204" pitchFamily="49" charset="0"/>
                 <a:cs typeface="Segoe UI" panose="020B0502040204020203" pitchFamily="34" charset="0"/>
               </a:rPr>
-              <a:t> VAC </a:t>
-            </a:r>
-            <a:r>
-              <a:rPr lang="en-US" sz="1800" dirty="0" smtClean="0">
+              <a:t>50</a:t>
+            </a:r>
+            <a:r>
+              <a:rPr lang="en-US" dirty="0" smtClean="0">
                 <a:latin typeface="Consolas" panose="020B0609020204030204" pitchFamily="49" charset="0"/>
                 <a:cs typeface="Segoe UI" panose="020B0502040204020203" pitchFamily="34" charset="0"/>
               </a:rPr>
-              <a:t>or 5~50 VDC</a:t>
+              <a:t>~300 </a:t>
+            </a:r>
+            <a:r>
+              <a:rPr lang="en-US" dirty="0" smtClean="0">
+                <a:latin typeface="Consolas" panose="020B0609020204030204" pitchFamily="49" charset="0"/>
+                <a:cs typeface="Segoe UI" panose="020B0502040204020203" pitchFamily="34" charset="0"/>
+              </a:rPr>
+              <a:t>VAC or 5~50 VDC</a:t>
             </a:r>
             <a:br>
-              <a:rPr lang="en-US" sz="1800" dirty="0" smtClean="0">
+              <a:rPr lang="en-US" dirty="0" smtClean="0">
                 <a:latin typeface="Consolas" panose="020B0609020204030204" pitchFamily="49" charset="0"/>
                 <a:cs typeface="Segoe UI" panose="020B0502040204020203" pitchFamily="34" charset="0"/>
               </a:rPr>
             </a:br>
             <a:r>
-              <a:rPr lang="en-US" sz="1800" dirty="0" smtClean="0">
+              <a:rPr lang="en-US" dirty="0" smtClean="0">
                 <a:latin typeface="Consolas" panose="020B0609020204030204" pitchFamily="49" charset="0"/>
                 <a:cs typeface="Segoe UI" panose="020B0502040204020203" pitchFamily="34" charset="0"/>
               </a:rPr>
-              <a:t>Output:  1.5~26 VDC 3A (80W)</a:t>
-            </a:r>
-            <a:endParaRPr lang="en-US" sz="1800" dirty="0">
+              <a:t>Output:  </a:t>
+            </a:r>
+            <a:r>
+              <a:rPr lang="en-US" dirty="0" smtClean="0">
+                <a:latin typeface="Consolas" panose="020B0609020204030204" pitchFamily="49" charset="0"/>
+                <a:cs typeface="Segoe UI" panose="020B0502040204020203" pitchFamily="34" charset="0"/>
+              </a:rPr>
+              <a:t>1.5~26 </a:t>
+            </a:r>
+            <a:r>
+              <a:rPr lang="en-US" dirty="0" smtClean="0">
+                <a:latin typeface="Consolas" panose="020B0609020204030204" pitchFamily="49" charset="0"/>
+                <a:cs typeface="Segoe UI" panose="020B0502040204020203" pitchFamily="34" charset="0"/>
+              </a:rPr>
+              <a:t>VDC </a:t>
+            </a:r>
+            <a:r>
+              <a:rPr lang="en-US" dirty="0" smtClean="0">
+                <a:latin typeface="Consolas" panose="020B0609020204030204" pitchFamily="49" charset="0"/>
+                <a:cs typeface="Segoe UI" panose="020B0502040204020203" pitchFamily="34" charset="0"/>
+              </a:rPr>
+              <a:t>3.2A </a:t>
+            </a:r>
+            <a:r>
+              <a:rPr lang="en-US" dirty="0" smtClean="0">
+                <a:latin typeface="Consolas" panose="020B0609020204030204" pitchFamily="49" charset="0"/>
+                <a:cs typeface="Segoe UI" panose="020B0502040204020203" pitchFamily="34" charset="0"/>
+              </a:rPr>
+              <a:t>(80W)</a:t>
+            </a:r>
+            <a:endParaRPr lang="en-US" dirty="0">
               <a:latin typeface="Consolas" panose="020B0609020204030204" pitchFamily="49" charset="0"/>
               <a:cs typeface="Segoe UI" panose="020B0502040204020203" pitchFamily="34" charset="0"/>
             </a:endParaRPr>
@@ -3424,25 +3460,74 @@
         </p:nvSpPr>
         <p:spPr/>
         <p:txBody>
-          <a:bodyPr/>
-          <a:lstStyle/>
-          <a:p>
-            <a:r>
-              <a:rPr lang="en-US" dirty="0" smtClean="0"/>
-              <a:t>To </a:t>
-            </a:r>
-            <a:r>
-              <a:rPr lang="en-US" dirty="0" smtClean="0"/>
-              <a:t>output desired regulated DC voltage with current limiting, from wide range of input sources</a:t>
-            </a:r>
-            <a:r>
-              <a:rPr lang="en-US" dirty="0" smtClean="0"/>
+          <a:bodyPr>
+            <a:normAutofit/>
+          </a:bodyPr>
+          <a:lstStyle/>
+          <a:p>
+            <a:r>
+              <a:rPr lang="en-US" sz="2000" dirty="0" smtClean="0"/>
+              <a:t>To output </a:t>
+            </a:r>
+            <a:r>
+              <a:rPr lang="en-US" sz="2000" dirty="0" smtClean="0"/>
+              <a:t>variable </a:t>
+            </a:r>
+            <a:r>
+              <a:rPr lang="en-US" sz="2000" dirty="0" smtClean="0"/>
+              <a:t>regulated DC </a:t>
+            </a:r>
+            <a:r>
+              <a:rPr lang="en-US" sz="2000" dirty="0" smtClean="0"/>
+              <a:t>voltage, </a:t>
+            </a:r>
+            <a:r>
+              <a:rPr lang="en-US" sz="2000" dirty="0" smtClean="0"/>
+              <a:t>from wide range of input sources</a:t>
+            </a:r>
+            <a:r>
+              <a:rPr lang="en-US" sz="2000" dirty="0" smtClean="0"/>
               <a:t>.</a:t>
             </a:r>
-            <a:endParaRPr lang="en-US" dirty="0" smtClean="0"/>
-          </a:p>
-          <a:p>
-            <a:endParaRPr lang="en-US" dirty="0" smtClean="0"/>
+          </a:p>
+          <a:p>
+            <a:r>
+              <a:rPr lang="en-IN" sz="2000" dirty="0" smtClean="0"/>
+              <a:t>Constant Voltage (CV), Constant Current (CC)</a:t>
+            </a:r>
+          </a:p>
+          <a:p>
+            <a:r>
+              <a:rPr lang="en-IN" sz="2000" dirty="0" smtClean="0"/>
+              <a:t>Overcurrent / Short Circuit Protection</a:t>
+            </a:r>
+          </a:p>
+          <a:p>
+            <a:r>
+              <a:rPr lang="en-IN" sz="2000" dirty="0" smtClean="0"/>
+              <a:t>Input Under-voltage Lockout Protection (</a:t>
+            </a:r>
+            <a:r>
+              <a:rPr lang="en-IN" sz="2000" dirty="0"/>
+              <a:t>f</a:t>
+            </a:r>
+            <a:r>
+              <a:rPr lang="en-IN" sz="2000" dirty="0" smtClean="0"/>
+              <a:t>or battery inputs)</a:t>
+            </a:r>
+          </a:p>
+          <a:p>
+            <a:r>
+              <a:rPr lang="en-IN" sz="2000" dirty="0" smtClean="0"/>
+              <a:t>Reverse Voltage Protection</a:t>
+            </a:r>
+          </a:p>
+          <a:p>
+            <a:r>
+              <a:rPr lang="en-IN" sz="2000" dirty="0" smtClean="0"/>
+              <a:t>Thermal Overload Protection</a:t>
+            </a:r>
+            <a:endParaRPr lang="en-US" sz="2000" dirty="0" smtClean="0"/>
           </a:p>
         </p:txBody>
       </p:sp>
@@ -3518,19 +3603,55 @@
         </p:nvSpPr>
         <p:spPr/>
         <p:txBody>
-          <a:bodyPr/>
-          <a:lstStyle/>
-          <a:p>
-            <a:r>
-              <a:rPr lang="en-US" dirty="0" smtClean="0"/>
-              <a:t>AUXPIS is a SMPS designed to accept any input voltage source, and provide desired DC output with inbuilt input-output isolation, short circuit protection and reverse voltage protection.</a:t>
-            </a:r>
-          </a:p>
-          <a:p>
-            <a:r>
-              <a:rPr lang="en-US" dirty="0" smtClean="0"/>
-              <a:t>AUXPIS uses ATmega32U4 microcontroller to regulate output voltage efficiently using PID feedback loop control, and also provide a visual interface for controls.</a:t>
-            </a:r>
+          <a:bodyPr>
+            <a:normAutofit/>
+          </a:bodyPr>
+          <a:lstStyle/>
+          <a:p>
+            <a:r>
+              <a:rPr lang="en-US" sz="2000" dirty="0" smtClean="0"/>
+              <a:t>Variable Bench Power supply designed </a:t>
+            </a:r>
+            <a:r>
+              <a:rPr lang="en-US" sz="2000" dirty="0" smtClean="0"/>
+              <a:t>to </a:t>
+            </a:r>
+            <a:r>
+              <a:rPr lang="en-US" sz="2000" dirty="0" smtClean="0"/>
+              <a:t>accept variety of </a:t>
+            </a:r>
+            <a:r>
+              <a:rPr lang="en-US" sz="2000" dirty="0" smtClean="0"/>
+              <a:t>input voltage </a:t>
+            </a:r>
+            <a:r>
+              <a:rPr lang="en-US" sz="2000" dirty="0" smtClean="0"/>
+              <a:t>sources, </a:t>
+            </a:r>
+            <a:r>
+              <a:rPr lang="en-US" sz="2000" dirty="0" smtClean="0"/>
+              <a:t>and provide desired DC output with </a:t>
+            </a:r>
+            <a:r>
+              <a:rPr lang="en-US" sz="2000" dirty="0" smtClean="0"/>
+              <a:t>input-output </a:t>
+            </a:r>
+            <a:r>
+              <a:rPr lang="en-US" sz="2000" dirty="0" smtClean="0"/>
+              <a:t>isolation, short circuit protection and reverse voltage protection.</a:t>
+            </a:r>
+          </a:p>
+          <a:p>
+            <a:endParaRPr lang="en-IN" sz="2000" dirty="0" smtClean="0"/>
+          </a:p>
+          <a:p>
+            <a:r>
+              <a:rPr lang="en-IN" sz="2000" dirty="0" smtClean="0"/>
+              <a:t>We will be using feedback loop system to control the MOSFET using PWM signals from a microcontroller to achieve the desired output voltage.</a:t>
+            </a:r>
+          </a:p>
+          <a:p>
+            <a:endParaRPr lang="en-IN" sz="2000" dirty="0"/>
           </a:p>
         </p:txBody>
       </p:sp>
@@ -3551,6 +3672,941 @@
       </p:par>
     </p:tnLst>
   </p:timing>
+</p:sld>
+</file>
+
+<file path=ppt/slides/slide4.xml><?xml version="1.0" encoding="utf-8"?>
+<p:sld xmlns:a="http://schemas.openxmlformats.org/drawingml/2006/main" xmlns:r="http://schemas.openxmlformats.org/officeDocument/2006/relationships" xmlns:p="http://schemas.openxmlformats.org/presentationml/2006/main">
+  <p:cSld>
+    <p:spTree>
+      <p:nvGrpSpPr>
+        <p:cNvPr id="1" name=""/>
+        <p:cNvGrpSpPr/>
+        <p:nvPr/>
+      </p:nvGrpSpPr>
+      <p:grpSpPr>
+        <a:xfrm>
+          <a:off x="0" y="0"/>
+          <a:ext cx="0" cy="0"/>
+          <a:chOff x="0" y="0"/>
+          <a:chExt cx="0" cy="0"/>
+        </a:xfrm>
+      </p:grpSpPr>
+      <p:sp>
+        <p:nvSpPr>
+          <p:cNvPr id="5" name="Rectangle 4"/>
+          <p:cNvSpPr/>
+          <p:nvPr/>
+        </p:nvSpPr>
+        <p:spPr>
+          <a:xfrm>
+            <a:off x="6791221" y="5052199"/>
+            <a:ext cx="1509622" cy="897148"/>
+          </a:xfrm>
+          <a:prstGeom prst="rect">
+            <a:avLst/>
+          </a:prstGeom>
+          <a:solidFill>
+            <a:schemeClr val="bg1">
+              <a:lumMod val="85000"/>
+            </a:schemeClr>
+          </a:solidFill>
+          <a:ln w="19050">
+            <a:solidFill>
+              <a:schemeClr val="tx1">
+                <a:lumMod val="65000"/>
+                <a:lumOff val="35000"/>
+              </a:schemeClr>
+            </a:solidFill>
+          </a:ln>
+        </p:spPr>
+        <p:style>
+          <a:lnRef idx="2">
+            <a:schemeClr val="accent6">
+              <a:shade val="50000"/>
+            </a:schemeClr>
+          </a:lnRef>
+          <a:fillRef idx="1">
+            <a:schemeClr val="accent6"/>
+          </a:fillRef>
+          <a:effectRef idx="0">
+            <a:schemeClr val="accent6"/>
+          </a:effectRef>
+          <a:fontRef idx="minor">
+            <a:schemeClr val="lt1"/>
+          </a:fontRef>
+        </p:style>
+        <p:txBody>
+          <a:bodyPr rtlCol="0" anchor="ctr"/>
+          <a:lstStyle/>
+          <a:p>
+            <a:pPr algn="ctr"/>
+            <a:r>
+              <a:rPr lang="en-IN" sz="1400" dirty="0" smtClean="0">
+                <a:solidFill>
+                  <a:schemeClr val="tx1">
+                    <a:lumMod val="75000"/>
+                    <a:lumOff val="25000"/>
+                  </a:schemeClr>
+                </a:solidFill>
+                <a:latin typeface="Consolas" panose="020B0609020204030204" pitchFamily="49" charset="0"/>
+              </a:rPr>
+              <a:t>O/P V I Parameters</a:t>
+            </a:r>
+            <a:endParaRPr lang="en-US" sz="1400" dirty="0">
+              <a:solidFill>
+                <a:schemeClr val="tx1">
+                  <a:lumMod val="75000"/>
+                  <a:lumOff val="25000"/>
+                </a:schemeClr>
+              </a:solidFill>
+              <a:latin typeface="Consolas" panose="020B0609020204030204" pitchFamily="49" charset="0"/>
+            </a:endParaRPr>
+          </a:p>
+        </p:txBody>
+      </p:sp>
+      <p:sp>
+        <p:nvSpPr>
+          <p:cNvPr id="6" name="TextBox 5"/>
+          <p:cNvSpPr txBox="1"/>
+          <p:nvPr/>
+        </p:nvSpPr>
+        <p:spPr>
+          <a:xfrm>
+            <a:off x="10437960" y="1977105"/>
+            <a:ext cx="1268084" cy="584775"/>
+          </a:xfrm>
+          <a:prstGeom prst="rect">
+            <a:avLst/>
+          </a:prstGeom>
+          <a:solidFill>
+            <a:srgbClr val="FFC000"/>
+          </a:solidFill>
+        </p:spPr>
+        <p:txBody>
+          <a:bodyPr wrap="square" rtlCol="0">
+            <a:spAutoFit/>
+          </a:bodyPr>
+          <a:lstStyle/>
+          <a:p>
+            <a:pPr algn="ctr"/>
+            <a:r>
+              <a:rPr lang="en-IN" sz="1600" b="1" dirty="0" smtClean="0">
+                <a:solidFill>
+                  <a:schemeClr val="tx1">
+                    <a:lumMod val="75000"/>
+                    <a:lumOff val="25000"/>
+                  </a:schemeClr>
+                </a:solidFill>
+                <a:latin typeface="Consolas" panose="020B0609020204030204" pitchFamily="49" charset="0"/>
+              </a:rPr>
+              <a:t>Regulated DC O/P</a:t>
+            </a:r>
+          </a:p>
+        </p:txBody>
+      </p:sp>
+      <p:sp>
+        <p:nvSpPr>
+          <p:cNvPr id="7" name="Rectangle 6"/>
+          <p:cNvSpPr/>
+          <p:nvPr/>
+        </p:nvSpPr>
+        <p:spPr>
+          <a:xfrm>
+            <a:off x="6616459" y="3257906"/>
+            <a:ext cx="1873449" cy="897148"/>
+          </a:xfrm>
+          <a:prstGeom prst="rect">
+            <a:avLst/>
+          </a:prstGeom>
+          <a:solidFill>
+            <a:schemeClr val="bg1">
+              <a:lumMod val="85000"/>
+            </a:schemeClr>
+          </a:solidFill>
+          <a:ln w="19050">
+            <a:solidFill>
+              <a:schemeClr val="tx1">
+                <a:lumMod val="65000"/>
+                <a:lumOff val="35000"/>
+              </a:schemeClr>
+            </a:solidFill>
+          </a:ln>
+        </p:spPr>
+        <p:style>
+          <a:lnRef idx="2">
+            <a:schemeClr val="accent6">
+              <a:shade val="50000"/>
+            </a:schemeClr>
+          </a:lnRef>
+          <a:fillRef idx="1">
+            <a:schemeClr val="accent6"/>
+          </a:fillRef>
+          <a:effectRef idx="0">
+            <a:schemeClr val="accent6"/>
+          </a:effectRef>
+          <a:fontRef idx="minor">
+            <a:schemeClr val="lt1"/>
+          </a:fontRef>
+        </p:style>
+        <p:txBody>
+          <a:bodyPr rtlCol="0" anchor="ctr"/>
+          <a:lstStyle/>
+          <a:p>
+            <a:pPr algn="ctr"/>
+            <a:r>
+              <a:rPr lang="en-IN" sz="1400" dirty="0" smtClean="0">
+                <a:solidFill>
+                  <a:schemeClr val="tx1">
+                    <a:lumMod val="75000"/>
+                    <a:lumOff val="25000"/>
+                  </a:schemeClr>
+                </a:solidFill>
+                <a:latin typeface="Consolas" panose="020B0609020204030204" pitchFamily="49" charset="0"/>
+              </a:rPr>
+              <a:t>Microcontroller</a:t>
+            </a:r>
+            <a:endParaRPr lang="en-US" sz="1400" dirty="0">
+              <a:solidFill>
+                <a:schemeClr val="tx1">
+                  <a:lumMod val="75000"/>
+                  <a:lumOff val="25000"/>
+                </a:schemeClr>
+              </a:solidFill>
+              <a:latin typeface="Consolas" panose="020B0609020204030204" pitchFamily="49" charset="0"/>
+            </a:endParaRPr>
+          </a:p>
+        </p:txBody>
+      </p:sp>
+      <p:sp>
+        <p:nvSpPr>
+          <p:cNvPr id="8" name="Rectangle 7"/>
+          <p:cNvSpPr/>
+          <p:nvPr/>
+        </p:nvSpPr>
+        <p:spPr>
+          <a:xfrm>
+            <a:off x="2032958" y="1326871"/>
+            <a:ext cx="1641895" cy="897148"/>
+          </a:xfrm>
+          <a:prstGeom prst="rect">
+            <a:avLst/>
+          </a:prstGeom>
+          <a:solidFill>
+            <a:schemeClr val="bg1">
+              <a:lumMod val="85000"/>
+            </a:schemeClr>
+          </a:solidFill>
+          <a:ln w="19050">
+            <a:solidFill>
+              <a:schemeClr val="tx1">
+                <a:lumMod val="65000"/>
+                <a:lumOff val="35000"/>
+              </a:schemeClr>
+            </a:solidFill>
+          </a:ln>
+        </p:spPr>
+        <p:style>
+          <a:lnRef idx="2">
+            <a:schemeClr val="accent6">
+              <a:shade val="50000"/>
+            </a:schemeClr>
+          </a:lnRef>
+          <a:fillRef idx="1">
+            <a:schemeClr val="accent6"/>
+          </a:fillRef>
+          <a:effectRef idx="0">
+            <a:schemeClr val="accent6"/>
+          </a:effectRef>
+          <a:fontRef idx="minor">
+            <a:schemeClr val="lt1"/>
+          </a:fontRef>
+        </p:style>
+        <p:txBody>
+          <a:bodyPr rtlCol="0" anchor="ctr"/>
+          <a:lstStyle/>
+          <a:p>
+            <a:pPr algn="ctr"/>
+            <a:r>
+              <a:rPr lang="en-IN" sz="1600" dirty="0" smtClean="0">
+                <a:solidFill>
+                  <a:schemeClr val="tx1">
+                    <a:lumMod val="75000"/>
+                    <a:lumOff val="25000"/>
+                  </a:schemeClr>
+                </a:solidFill>
+                <a:latin typeface="Consolas" panose="020B0609020204030204" pitchFamily="49" charset="0"/>
+              </a:rPr>
+              <a:t>Transformer</a:t>
+            </a:r>
+          </a:p>
+          <a:p>
+            <a:pPr algn="ctr"/>
+            <a:r>
+              <a:rPr lang="en-IN" sz="1600" dirty="0" smtClean="0">
+                <a:solidFill>
+                  <a:schemeClr val="tx1">
+                    <a:lumMod val="75000"/>
+                    <a:lumOff val="25000"/>
+                  </a:schemeClr>
+                </a:solidFill>
+                <a:latin typeface="Consolas" panose="020B0609020204030204" pitchFamily="49" charset="0"/>
+              </a:rPr>
+              <a:t>&amp; Rectifier</a:t>
+            </a:r>
+            <a:endParaRPr lang="en-US" sz="1600" dirty="0">
+              <a:solidFill>
+                <a:schemeClr val="tx1">
+                  <a:lumMod val="75000"/>
+                  <a:lumOff val="25000"/>
+                </a:schemeClr>
+              </a:solidFill>
+              <a:latin typeface="Consolas" panose="020B0609020204030204" pitchFamily="49" charset="0"/>
+            </a:endParaRPr>
+          </a:p>
+        </p:txBody>
+      </p:sp>
+      <p:sp>
+        <p:nvSpPr>
+          <p:cNvPr id="9" name="Rectangle 8"/>
+          <p:cNvSpPr/>
+          <p:nvPr/>
+        </p:nvSpPr>
+        <p:spPr>
+          <a:xfrm>
+            <a:off x="5124166" y="1326872"/>
+            <a:ext cx="1641895" cy="897148"/>
+          </a:xfrm>
+          <a:prstGeom prst="rect">
+            <a:avLst/>
+          </a:prstGeom>
+          <a:solidFill>
+            <a:schemeClr val="bg1">
+              <a:lumMod val="85000"/>
+            </a:schemeClr>
+          </a:solidFill>
+          <a:ln w="19050">
+            <a:solidFill>
+              <a:schemeClr val="tx1">
+                <a:lumMod val="65000"/>
+                <a:lumOff val="35000"/>
+              </a:schemeClr>
+            </a:solidFill>
+          </a:ln>
+        </p:spPr>
+        <p:style>
+          <a:lnRef idx="2">
+            <a:schemeClr val="accent6">
+              <a:shade val="50000"/>
+            </a:schemeClr>
+          </a:lnRef>
+          <a:fillRef idx="1">
+            <a:schemeClr val="accent6"/>
+          </a:fillRef>
+          <a:effectRef idx="0">
+            <a:schemeClr val="accent6"/>
+          </a:effectRef>
+          <a:fontRef idx="minor">
+            <a:schemeClr val="lt1"/>
+          </a:fontRef>
+        </p:style>
+        <p:txBody>
+          <a:bodyPr rtlCol="0" anchor="ctr"/>
+          <a:lstStyle/>
+          <a:p>
+            <a:pPr algn="ctr"/>
+            <a:r>
+              <a:rPr lang="en-IN" sz="1600" dirty="0" smtClean="0">
+                <a:solidFill>
+                  <a:schemeClr val="tx1">
+                    <a:lumMod val="75000"/>
+                    <a:lumOff val="25000"/>
+                  </a:schemeClr>
+                </a:solidFill>
+                <a:latin typeface="Consolas" panose="020B0609020204030204" pitchFamily="49" charset="0"/>
+              </a:rPr>
+              <a:t>Buck &amp; Boost Regulator</a:t>
+            </a:r>
+            <a:endParaRPr lang="en-US" sz="1600" dirty="0">
+              <a:solidFill>
+                <a:schemeClr val="tx1">
+                  <a:lumMod val="75000"/>
+                  <a:lumOff val="25000"/>
+                </a:schemeClr>
+              </a:solidFill>
+              <a:latin typeface="Consolas" panose="020B0609020204030204" pitchFamily="49" charset="0"/>
+            </a:endParaRPr>
+          </a:p>
+        </p:txBody>
+      </p:sp>
+      <p:sp>
+        <p:nvSpPr>
+          <p:cNvPr id="10" name="Rectangle 9"/>
+          <p:cNvSpPr/>
+          <p:nvPr/>
+        </p:nvSpPr>
+        <p:spPr>
+          <a:xfrm>
+            <a:off x="8326003" y="1326872"/>
+            <a:ext cx="1641895" cy="897148"/>
+          </a:xfrm>
+          <a:prstGeom prst="rect">
+            <a:avLst/>
+          </a:prstGeom>
+          <a:solidFill>
+            <a:schemeClr val="bg1">
+              <a:lumMod val="85000"/>
+            </a:schemeClr>
+          </a:solidFill>
+          <a:ln w="19050">
+            <a:solidFill>
+              <a:schemeClr val="tx1">
+                <a:lumMod val="65000"/>
+                <a:lumOff val="35000"/>
+              </a:schemeClr>
+            </a:solidFill>
+          </a:ln>
+        </p:spPr>
+        <p:style>
+          <a:lnRef idx="2">
+            <a:schemeClr val="accent6">
+              <a:shade val="50000"/>
+            </a:schemeClr>
+          </a:lnRef>
+          <a:fillRef idx="1">
+            <a:schemeClr val="accent6"/>
+          </a:fillRef>
+          <a:effectRef idx="0">
+            <a:schemeClr val="accent6"/>
+          </a:effectRef>
+          <a:fontRef idx="minor">
+            <a:schemeClr val="lt1"/>
+          </a:fontRef>
+        </p:style>
+        <p:txBody>
+          <a:bodyPr rtlCol="0" anchor="ctr"/>
+          <a:lstStyle/>
+          <a:p>
+            <a:pPr algn="ctr"/>
+            <a:r>
+              <a:rPr lang="en-IN" sz="1600" dirty="0" smtClean="0">
+                <a:solidFill>
+                  <a:schemeClr val="tx1">
+                    <a:lumMod val="75000"/>
+                    <a:lumOff val="25000"/>
+                  </a:schemeClr>
+                </a:solidFill>
+                <a:latin typeface="Consolas" panose="020B0609020204030204" pitchFamily="49" charset="0"/>
+              </a:rPr>
+              <a:t>Smoothing</a:t>
+            </a:r>
+            <a:endParaRPr lang="en-US" sz="1600" dirty="0">
+              <a:solidFill>
+                <a:schemeClr val="tx1">
+                  <a:lumMod val="75000"/>
+                  <a:lumOff val="25000"/>
+                </a:schemeClr>
+              </a:solidFill>
+              <a:latin typeface="Consolas" panose="020B0609020204030204" pitchFamily="49" charset="0"/>
+            </a:endParaRPr>
+          </a:p>
+        </p:txBody>
+      </p:sp>
+      <p:cxnSp>
+        <p:nvCxnSpPr>
+          <p:cNvPr id="12" name="Straight Arrow Connector 11"/>
+          <p:cNvCxnSpPr>
+            <a:stCxn id="10" idx="3"/>
+          </p:cNvCxnSpPr>
+          <p:nvPr/>
+        </p:nvCxnSpPr>
+        <p:spPr>
+          <a:xfrm>
+            <a:off x="9967898" y="1775446"/>
+            <a:ext cx="1229187" cy="0"/>
+          </a:xfrm>
+          <a:prstGeom prst="straightConnector1">
+            <a:avLst/>
+          </a:prstGeom>
+          <a:ln w="57150">
+            <a:solidFill>
+              <a:schemeClr val="tx1">
+                <a:lumMod val="75000"/>
+                <a:lumOff val="25000"/>
+              </a:schemeClr>
+            </a:solidFill>
+            <a:tailEnd type="triangle"/>
+          </a:ln>
+        </p:spPr>
+        <p:style>
+          <a:lnRef idx="1">
+            <a:schemeClr val="accent1"/>
+          </a:lnRef>
+          <a:fillRef idx="0">
+            <a:schemeClr val="accent1"/>
+          </a:fillRef>
+          <a:effectRef idx="0">
+            <a:schemeClr val="accent1"/>
+          </a:effectRef>
+          <a:fontRef idx="minor">
+            <a:schemeClr val="tx1"/>
+          </a:fontRef>
+        </p:style>
+      </p:cxnSp>
+      <p:cxnSp>
+        <p:nvCxnSpPr>
+          <p:cNvPr id="13" name="Straight Arrow Connector 12"/>
+          <p:cNvCxnSpPr>
+            <a:stCxn id="5" idx="0"/>
+            <a:endCxn id="7" idx="2"/>
+          </p:cNvCxnSpPr>
+          <p:nvPr/>
+        </p:nvCxnSpPr>
+        <p:spPr>
+          <a:xfrm flipV="1">
+            <a:off x="7546032" y="4155054"/>
+            <a:ext cx="7152" cy="897145"/>
+          </a:xfrm>
+          <a:prstGeom prst="straightConnector1">
+            <a:avLst/>
+          </a:prstGeom>
+          <a:ln w="57150">
+            <a:solidFill>
+              <a:schemeClr val="tx1">
+                <a:lumMod val="75000"/>
+                <a:lumOff val="25000"/>
+              </a:schemeClr>
+            </a:solidFill>
+            <a:tailEnd type="triangle"/>
+          </a:ln>
+        </p:spPr>
+        <p:style>
+          <a:lnRef idx="1">
+            <a:schemeClr val="accent1"/>
+          </a:lnRef>
+          <a:fillRef idx="0">
+            <a:schemeClr val="accent1"/>
+          </a:fillRef>
+          <a:effectRef idx="0">
+            <a:schemeClr val="accent1"/>
+          </a:effectRef>
+          <a:fontRef idx="minor">
+            <a:schemeClr val="tx1"/>
+          </a:fontRef>
+        </p:style>
+      </p:cxnSp>
+      <p:cxnSp>
+        <p:nvCxnSpPr>
+          <p:cNvPr id="16" name="Elbow Connector 15"/>
+          <p:cNvCxnSpPr>
+            <a:stCxn id="10" idx="3"/>
+            <a:endCxn id="7" idx="3"/>
+          </p:cNvCxnSpPr>
+          <p:nvPr/>
+        </p:nvCxnSpPr>
+        <p:spPr>
+          <a:xfrm flipH="1">
+            <a:off x="8489908" y="1775446"/>
+            <a:ext cx="1477990" cy="1931034"/>
+          </a:xfrm>
+          <a:prstGeom prst="bentConnector3">
+            <a:avLst>
+              <a:gd name="adj1" fmla="val -15467"/>
+            </a:avLst>
+          </a:prstGeom>
+          <a:ln w="57150">
+            <a:solidFill>
+              <a:schemeClr val="tx1">
+                <a:lumMod val="75000"/>
+                <a:lumOff val="25000"/>
+              </a:schemeClr>
+            </a:solidFill>
+            <a:tailEnd type="triangle"/>
+          </a:ln>
+        </p:spPr>
+        <p:style>
+          <a:lnRef idx="1">
+            <a:schemeClr val="accent1"/>
+          </a:lnRef>
+          <a:fillRef idx="0">
+            <a:schemeClr val="accent1"/>
+          </a:fillRef>
+          <a:effectRef idx="0">
+            <a:schemeClr val="accent1"/>
+          </a:effectRef>
+          <a:fontRef idx="minor">
+            <a:schemeClr val="tx1"/>
+          </a:fontRef>
+        </p:style>
+      </p:cxnSp>
+      <p:cxnSp>
+        <p:nvCxnSpPr>
+          <p:cNvPr id="20" name="Elbow Connector 19"/>
+          <p:cNvCxnSpPr>
+            <a:stCxn id="7" idx="0"/>
+            <a:endCxn id="9" idx="2"/>
+          </p:cNvCxnSpPr>
+          <p:nvPr/>
+        </p:nvCxnSpPr>
+        <p:spPr>
+          <a:xfrm rot="16200000" flipV="1">
+            <a:off x="6232206" y="1936928"/>
+            <a:ext cx="1033886" cy="1608070"/>
+          </a:xfrm>
+          <a:prstGeom prst="bentConnector3">
+            <a:avLst>
+              <a:gd name="adj1" fmla="val 50000"/>
+            </a:avLst>
+          </a:prstGeom>
+          <a:ln w="57150">
+            <a:solidFill>
+              <a:schemeClr val="tx1">
+                <a:lumMod val="75000"/>
+                <a:lumOff val="25000"/>
+              </a:schemeClr>
+            </a:solidFill>
+            <a:tailEnd type="triangle"/>
+          </a:ln>
+        </p:spPr>
+        <p:style>
+          <a:lnRef idx="1">
+            <a:schemeClr val="accent1"/>
+          </a:lnRef>
+          <a:fillRef idx="0">
+            <a:schemeClr val="accent1"/>
+          </a:fillRef>
+          <a:effectRef idx="0">
+            <a:schemeClr val="accent1"/>
+          </a:effectRef>
+          <a:fontRef idx="minor">
+            <a:schemeClr val="tx1"/>
+          </a:fontRef>
+        </p:style>
+      </p:cxnSp>
+      <p:cxnSp>
+        <p:nvCxnSpPr>
+          <p:cNvPr id="23" name="Straight Arrow Connector 22"/>
+          <p:cNvCxnSpPr>
+            <a:stCxn id="9" idx="3"/>
+            <a:endCxn id="10" idx="1"/>
+          </p:cNvCxnSpPr>
+          <p:nvPr/>
+        </p:nvCxnSpPr>
+        <p:spPr>
+          <a:xfrm>
+            <a:off x="6766061" y="1775446"/>
+            <a:ext cx="1559942" cy="0"/>
+          </a:xfrm>
+          <a:prstGeom prst="straightConnector1">
+            <a:avLst/>
+          </a:prstGeom>
+          <a:ln w="57150">
+            <a:solidFill>
+              <a:schemeClr val="tx1">
+                <a:lumMod val="75000"/>
+                <a:lumOff val="25000"/>
+              </a:schemeClr>
+            </a:solidFill>
+            <a:tailEnd type="triangle"/>
+          </a:ln>
+        </p:spPr>
+        <p:style>
+          <a:lnRef idx="1">
+            <a:schemeClr val="accent1"/>
+          </a:lnRef>
+          <a:fillRef idx="0">
+            <a:schemeClr val="accent1"/>
+          </a:fillRef>
+          <a:effectRef idx="0">
+            <a:schemeClr val="accent1"/>
+          </a:effectRef>
+          <a:fontRef idx="minor">
+            <a:schemeClr val="tx1"/>
+          </a:fontRef>
+        </p:style>
+      </p:cxnSp>
+      <p:cxnSp>
+        <p:nvCxnSpPr>
+          <p:cNvPr id="27" name="Straight Arrow Connector 26"/>
+          <p:cNvCxnSpPr>
+            <a:stCxn id="8" idx="3"/>
+            <a:endCxn id="9" idx="1"/>
+          </p:cNvCxnSpPr>
+          <p:nvPr/>
+        </p:nvCxnSpPr>
+        <p:spPr>
+          <a:xfrm>
+            <a:off x="3674853" y="1775445"/>
+            <a:ext cx="1449313" cy="1"/>
+          </a:xfrm>
+          <a:prstGeom prst="straightConnector1">
+            <a:avLst/>
+          </a:prstGeom>
+          <a:ln w="57150">
+            <a:solidFill>
+              <a:schemeClr val="tx1">
+                <a:lumMod val="75000"/>
+                <a:lumOff val="25000"/>
+              </a:schemeClr>
+            </a:solidFill>
+            <a:tailEnd type="triangle"/>
+          </a:ln>
+        </p:spPr>
+        <p:style>
+          <a:lnRef idx="1">
+            <a:schemeClr val="accent1"/>
+          </a:lnRef>
+          <a:fillRef idx="0">
+            <a:schemeClr val="accent1"/>
+          </a:fillRef>
+          <a:effectRef idx="0">
+            <a:schemeClr val="accent1"/>
+          </a:effectRef>
+          <a:fontRef idx="minor">
+            <a:schemeClr val="tx1"/>
+          </a:fontRef>
+        </p:style>
+      </p:cxnSp>
+      <p:cxnSp>
+        <p:nvCxnSpPr>
+          <p:cNvPr id="30" name="Straight Arrow Connector 29"/>
+          <p:cNvCxnSpPr>
+            <a:endCxn id="8" idx="1"/>
+          </p:cNvCxnSpPr>
+          <p:nvPr/>
+        </p:nvCxnSpPr>
+        <p:spPr>
+          <a:xfrm>
+            <a:off x="785004" y="1775445"/>
+            <a:ext cx="1247954" cy="0"/>
+          </a:xfrm>
+          <a:prstGeom prst="straightConnector1">
+            <a:avLst/>
+          </a:prstGeom>
+          <a:ln w="57150">
+            <a:solidFill>
+              <a:schemeClr val="tx1">
+                <a:lumMod val="75000"/>
+                <a:lumOff val="25000"/>
+              </a:schemeClr>
+            </a:solidFill>
+            <a:tailEnd type="triangle"/>
+          </a:ln>
+        </p:spPr>
+        <p:style>
+          <a:lnRef idx="1">
+            <a:schemeClr val="accent1"/>
+          </a:lnRef>
+          <a:fillRef idx="0">
+            <a:schemeClr val="accent1"/>
+          </a:fillRef>
+          <a:effectRef idx="0">
+            <a:schemeClr val="accent1"/>
+          </a:effectRef>
+          <a:fontRef idx="minor">
+            <a:schemeClr val="tx1"/>
+          </a:fontRef>
+        </p:style>
+      </p:cxnSp>
+      <p:sp>
+        <p:nvSpPr>
+          <p:cNvPr id="34" name="TextBox 33"/>
+          <p:cNvSpPr txBox="1"/>
+          <p:nvPr/>
+        </p:nvSpPr>
+        <p:spPr>
+          <a:xfrm>
+            <a:off x="473016" y="1294290"/>
+            <a:ext cx="1268084" cy="338554"/>
+          </a:xfrm>
+          <a:prstGeom prst="rect">
+            <a:avLst/>
+          </a:prstGeom>
+          <a:solidFill>
+            <a:srgbClr val="92D050"/>
+          </a:solidFill>
+        </p:spPr>
+        <p:txBody>
+          <a:bodyPr wrap="square" rtlCol="0">
+            <a:spAutoFit/>
+          </a:bodyPr>
+          <a:lstStyle/>
+          <a:p>
+            <a:pPr algn="ctr"/>
+            <a:r>
+              <a:rPr lang="en-IN" sz="1600" b="1" dirty="0" smtClean="0">
+                <a:solidFill>
+                  <a:schemeClr val="tx1">
+                    <a:lumMod val="75000"/>
+                    <a:lumOff val="25000"/>
+                  </a:schemeClr>
+                </a:solidFill>
+                <a:latin typeface="Consolas" panose="020B0609020204030204" pitchFamily="49" charset="0"/>
+              </a:rPr>
+              <a:t>~ AC I/P</a:t>
+            </a:r>
+          </a:p>
+        </p:txBody>
+      </p:sp>
+      <p:sp>
+        <p:nvSpPr>
+          <p:cNvPr id="45" name="Rectangle 44"/>
+          <p:cNvSpPr/>
+          <p:nvPr/>
+        </p:nvSpPr>
+        <p:spPr>
+          <a:xfrm>
+            <a:off x="3646176" y="3257906"/>
+            <a:ext cx="1641895" cy="897148"/>
+          </a:xfrm>
+          <a:prstGeom prst="rect">
+            <a:avLst/>
+          </a:prstGeom>
+          <a:solidFill>
+            <a:srgbClr val="92D050"/>
+          </a:solidFill>
+          <a:ln w="19050">
+            <a:noFill/>
+          </a:ln>
+        </p:spPr>
+        <p:style>
+          <a:lnRef idx="2">
+            <a:schemeClr val="accent6">
+              <a:shade val="50000"/>
+            </a:schemeClr>
+          </a:lnRef>
+          <a:fillRef idx="1">
+            <a:schemeClr val="accent6"/>
+          </a:fillRef>
+          <a:effectRef idx="0">
+            <a:schemeClr val="accent6"/>
+          </a:effectRef>
+          <a:fontRef idx="minor">
+            <a:schemeClr val="lt1"/>
+          </a:fontRef>
+        </p:style>
+        <p:txBody>
+          <a:bodyPr rtlCol="0" anchor="ctr"/>
+          <a:lstStyle/>
+          <a:p>
+            <a:pPr algn="ctr"/>
+            <a:r>
+              <a:rPr lang="en-IN" sz="1600" b="1" dirty="0" smtClean="0">
+                <a:solidFill>
+                  <a:schemeClr val="tx1">
+                    <a:lumMod val="75000"/>
+                    <a:lumOff val="25000"/>
+                  </a:schemeClr>
+                </a:solidFill>
+                <a:latin typeface="Consolas" panose="020B0609020204030204" pitchFamily="49" charset="0"/>
+              </a:rPr>
+              <a:t>DC Source</a:t>
+            </a:r>
+            <a:endParaRPr lang="en-US" sz="1600" b="1" dirty="0">
+              <a:solidFill>
+                <a:schemeClr val="tx1">
+                  <a:lumMod val="75000"/>
+                  <a:lumOff val="25000"/>
+                </a:schemeClr>
+              </a:solidFill>
+              <a:latin typeface="Consolas" panose="020B0609020204030204" pitchFamily="49" charset="0"/>
+            </a:endParaRPr>
+          </a:p>
+        </p:txBody>
+      </p:sp>
+      <p:cxnSp>
+        <p:nvCxnSpPr>
+          <p:cNvPr id="54" name="Straight Arrow Connector 53"/>
+          <p:cNvCxnSpPr>
+            <a:stCxn id="45" idx="3"/>
+            <a:endCxn id="7" idx="1"/>
+          </p:cNvCxnSpPr>
+          <p:nvPr/>
+        </p:nvCxnSpPr>
+        <p:spPr>
+          <a:xfrm>
+            <a:off x="5288071" y="3706480"/>
+            <a:ext cx="1328388" cy="0"/>
+          </a:xfrm>
+          <a:prstGeom prst="straightConnector1">
+            <a:avLst/>
+          </a:prstGeom>
+          <a:ln w="57150">
+            <a:solidFill>
+              <a:schemeClr val="tx1">
+                <a:lumMod val="75000"/>
+                <a:lumOff val="25000"/>
+              </a:schemeClr>
+            </a:solidFill>
+            <a:tailEnd type="triangle"/>
+          </a:ln>
+        </p:spPr>
+        <p:style>
+          <a:lnRef idx="1">
+            <a:schemeClr val="accent1"/>
+          </a:lnRef>
+          <a:fillRef idx="0">
+            <a:schemeClr val="accent1"/>
+          </a:fillRef>
+          <a:effectRef idx="0">
+            <a:schemeClr val="accent1"/>
+          </a:effectRef>
+          <a:fontRef idx="minor">
+            <a:schemeClr val="tx1"/>
+          </a:fontRef>
+        </p:style>
+      </p:cxnSp>
+      <p:cxnSp>
+        <p:nvCxnSpPr>
+          <p:cNvPr id="57" name="Straight Arrow Connector 56"/>
+          <p:cNvCxnSpPr>
+            <a:stCxn id="45" idx="0"/>
+          </p:cNvCxnSpPr>
+          <p:nvPr/>
+        </p:nvCxnSpPr>
+        <p:spPr>
+          <a:xfrm flipH="1" flipV="1">
+            <a:off x="4467123" y="1775445"/>
+            <a:ext cx="1" cy="1482461"/>
+          </a:xfrm>
+          <a:prstGeom prst="straightConnector1">
+            <a:avLst/>
+          </a:prstGeom>
+          <a:ln w="57150">
+            <a:solidFill>
+              <a:schemeClr val="tx1">
+                <a:lumMod val="75000"/>
+                <a:lumOff val="25000"/>
+              </a:schemeClr>
+            </a:solidFill>
+            <a:tailEnd type="triangle"/>
+          </a:ln>
+        </p:spPr>
+        <p:style>
+          <a:lnRef idx="1">
+            <a:schemeClr val="accent1"/>
+          </a:lnRef>
+          <a:fillRef idx="0">
+            <a:schemeClr val="accent1"/>
+          </a:fillRef>
+          <a:effectRef idx="0">
+            <a:schemeClr val="accent1"/>
+          </a:effectRef>
+          <a:fontRef idx="minor">
+            <a:schemeClr val="tx1"/>
+          </a:fontRef>
+        </p:style>
+      </p:cxnSp>
+    </p:spTree>
+    <p:extLst>
+      <p:ext uri="{BB962C8B-B14F-4D97-AF65-F5344CB8AC3E}">
+        <p14:creationId xmlns:p14="http://schemas.microsoft.com/office/powerpoint/2010/main" val="4235378655"/>
+      </p:ext>
+    </p:extLst>
+  </p:cSld>
+  <p:clrMapOvr>
+    <a:masterClrMapping/>
+  </p:clrMapOvr>
 </p:sld>
 </file>
 

--- a/docs/presentation.pptx
+++ b/docs/presentation.pptx
@@ -270,7 +270,7 @@
           <a:p>
             <a:fld id="{43104FAA-A344-4F7B-B06C-7E93B14FBDA7}" type="datetimeFigureOut">
               <a:rPr lang="en-US" smtClean="0"/>
-              <a:t>1/22/2020</a:t>
+              <a:t>4/13/2020</a:t>
             </a:fld>
             <a:endParaRPr lang="en-US"/>
           </a:p>
@@ -445,7 +445,7 @@
           <a:p>
             <a:fld id="{43104FAA-A344-4F7B-B06C-7E93B14FBDA7}" type="datetimeFigureOut">
               <a:rPr lang="en-US" smtClean="0"/>
-              <a:t>1/22/2020</a:t>
+              <a:t>4/13/2020</a:t>
             </a:fld>
             <a:endParaRPr lang="en-US"/>
           </a:p>
@@ -625,7 +625,7 @@
           <a:p>
             <a:fld id="{43104FAA-A344-4F7B-B06C-7E93B14FBDA7}" type="datetimeFigureOut">
               <a:rPr lang="en-US" smtClean="0"/>
-              <a:t>1/22/2020</a:t>
+              <a:t>4/13/2020</a:t>
             </a:fld>
             <a:endParaRPr lang="en-US"/>
           </a:p>
@@ -795,7 +795,7 @@
           <a:p>
             <a:fld id="{43104FAA-A344-4F7B-B06C-7E93B14FBDA7}" type="datetimeFigureOut">
               <a:rPr lang="en-US" smtClean="0"/>
-              <a:t>1/22/2020</a:t>
+              <a:t>4/13/2020</a:t>
             </a:fld>
             <a:endParaRPr lang="en-US"/>
           </a:p>
@@ -1055,7 +1055,7 @@
           <a:p>
             <a:fld id="{43104FAA-A344-4F7B-B06C-7E93B14FBDA7}" type="datetimeFigureOut">
               <a:rPr lang="en-US" smtClean="0"/>
-              <a:t>1/22/2020</a:t>
+              <a:t>4/13/2020</a:t>
             </a:fld>
             <a:endParaRPr lang="en-US"/>
           </a:p>
@@ -1287,7 +1287,7 @@
           <a:p>
             <a:fld id="{43104FAA-A344-4F7B-B06C-7E93B14FBDA7}" type="datetimeFigureOut">
               <a:rPr lang="en-US" smtClean="0"/>
-              <a:t>1/22/2020</a:t>
+              <a:t>4/13/2020</a:t>
             </a:fld>
             <a:endParaRPr lang="en-US"/>
           </a:p>
@@ -1647,7 +1647,7 @@
           <a:p>
             <a:fld id="{43104FAA-A344-4F7B-B06C-7E93B14FBDA7}" type="datetimeFigureOut">
               <a:rPr lang="en-US" smtClean="0"/>
-              <a:t>1/22/2020</a:t>
+              <a:t>4/13/2020</a:t>
             </a:fld>
             <a:endParaRPr lang="en-US"/>
           </a:p>
@@ -1788,7 +1788,7 @@
           <a:p>
             <a:fld id="{43104FAA-A344-4F7B-B06C-7E93B14FBDA7}" type="datetimeFigureOut">
               <a:rPr lang="en-US" smtClean="0"/>
-              <a:t>1/22/2020</a:t>
+              <a:t>4/13/2020</a:t>
             </a:fld>
             <a:endParaRPr lang="en-US"/>
           </a:p>
@@ -1883,7 +1883,7 @@
           <a:p>
             <a:fld id="{43104FAA-A344-4F7B-B06C-7E93B14FBDA7}" type="datetimeFigureOut">
               <a:rPr lang="en-US" smtClean="0"/>
-              <a:t>1/22/2020</a:t>
+              <a:t>4/13/2020</a:t>
             </a:fld>
             <a:endParaRPr lang="en-US"/>
           </a:p>
@@ -2245,7 +2245,7 @@
           <a:p>
             <a:fld id="{43104FAA-A344-4F7B-B06C-7E93B14FBDA7}" type="datetimeFigureOut">
               <a:rPr lang="en-US" smtClean="0"/>
-              <a:t>1/22/2020</a:t>
+              <a:t>4/13/2020</a:t>
             </a:fld>
             <a:endParaRPr lang="en-US"/>
           </a:p>
@@ -2568,7 +2568,7 @@
           <a:p>
             <a:fld id="{43104FAA-A344-4F7B-B06C-7E93B14FBDA7}" type="datetimeFigureOut">
               <a:rPr lang="en-US" smtClean="0"/>
-              <a:t>1/22/2020</a:t>
+              <a:t>4/13/2020</a:t>
             </a:fld>
             <a:endParaRPr lang="en-US"/>
           </a:p>
@@ -2812,7 +2812,7 @@
           <a:p>
             <a:fld id="{43104FAA-A344-4F7B-B06C-7E93B14FBDA7}" type="datetimeFigureOut">
               <a:rPr lang="en-US" smtClean="0"/>
-              <a:t>1/22/2020</a:t>
+              <a:t>4/13/2020</a:t>
             </a:fld>
             <a:endParaRPr lang="en-US"/>
           </a:p>
@@ -3317,28 +3317,7 @@
                 <a:latin typeface="Consolas" panose="020B0609020204030204" pitchFamily="49" charset="0"/>
                 <a:cs typeface="Segoe UI" panose="020B0502040204020203" pitchFamily="34" charset="0"/>
               </a:rPr>
-              <a:t>Input:  </a:t>
-            </a:r>
-            <a:r>
-              <a:rPr lang="en-US" dirty="0" smtClean="0">
-                <a:latin typeface="Consolas" panose="020B0609020204030204" pitchFamily="49" charset="0"/>
-                <a:cs typeface="Segoe UI" panose="020B0502040204020203" pitchFamily="34" charset="0"/>
-              </a:rPr>
-              <a:t>50</a:t>
-            </a:r>
-            <a:r>
-              <a:rPr lang="en-US" dirty="0" smtClean="0">
-                <a:latin typeface="Consolas" panose="020B0609020204030204" pitchFamily="49" charset="0"/>
-                <a:cs typeface="Segoe UI" panose="020B0502040204020203" pitchFamily="34" charset="0"/>
-              </a:rPr>
-              <a:t>~300 </a:t>
-            </a:r>
-            <a:r>
-              <a:rPr lang="en-US" dirty="0" smtClean="0">
-                <a:latin typeface="Consolas" panose="020B0609020204030204" pitchFamily="49" charset="0"/>
-                <a:cs typeface="Segoe UI" panose="020B0502040204020203" pitchFamily="34" charset="0"/>
-              </a:rPr>
-              <a:t>VAC or 5~50 VDC</a:t>
+              <a:t>Input:  50~300 VAC or 5~50 VDC</a:t>
             </a:r>
             <a:br>
               <a:rPr lang="en-US" dirty="0" smtClean="0">
@@ -3351,35 +3330,7 @@
                 <a:latin typeface="Consolas" panose="020B0609020204030204" pitchFamily="49" charset="0"/>
                 <a:cs typeface="Segoe UI" panose="020B0502040204020203" pitchFamily="34" charset="0"/>
               </a:rPr>
-              <a:t>Output:  </a:t>
-            </a:r>
-            <a:r>
-              <a:rPr lang="en-US" dirty="0" smtClean="0">
-                <a:latin typeface="Consolas" panose="020B0609020204030204" pitchFamily="49" charset="0"/>
-                <a:cs typeface="Segoe UI" panose="020B0502040204020203" pitchFamily="34" charset="0"/>
-              </a:rPr>
-              <a:t>1.5~26 </a:t>
-            </a:r>
-            <a:r>
-              <a:rPr lang="en-US" dirty="0" smtClean="0">
-                <a:latin typeface="Consolas" panose="020B0609020204030204" pitchFamily="49" charset="0"/>
-                <a:cs typeface="Segoe UI" panose="020B0502040204020203" pitchFamily="34" charset="0"/>
-              </a:rPr>
-              <a:t>VDC </a:t>
-            </a:r>
-            <a:r>
-              <a:rPr lang="en-US" dirty="0" smtClean="0">
-                <a:latin typeface="Consolas" panose="020B0609020204030204" pitchFamily="49" charset="0"/>
-                <a:cs typeface="Segoe UI" panose="020B0502040204020203" pitchFamily="34" charset="0"/>
-              </a:rPr>
-              <a:t>3.2A </a:t>
-            </a:r>
-            <a:r>
-              <a:rPr lang="en-US" dirty="0" smtClean="0">
-                <a:latin typeface="Consolas" panose="020B0609020204030204" pitchFamily="49" charset="0"/>
-                <a:cs typeface="Segoe UI" panose="020B0502040204020203" pitchFamily="34" charset="0"/>
-              </a:rPr>
-              <a:t>(80W)</a:t>
+              <a:t>Output:  1.5~26 VDC 3.2A (80W)</a:t>
             </a:r>
             <a:endParaRPr lang="en-US" dirty="0">
               <a:latin typeface="Consolas" panose="020B0609020204030204" pitchFamily="49" charset="0"/>
@@ -3467,27 +3418,7 @@
           <a:p>
             <a:r>
               <a:rPr lang="en-US" sz="2000" dirty="0" smtClean="0"/>
-              <a:t>To output </a:t>
-            </a:r>
-            <a:r>
-              <a:rPr lang="en-US" sz="2000" dirty="0" smtClean="0"/>
-              <a:t>variable </a:t>
-            </a:r>
-            <a:r>
-              <a:rPr lang="en-US" sz="2000" dirty="0" smtClean="0"/>
-              <a:t>regulated DC </a:t>
-            </a:r>
-            <a:r>
-              <a:rPr lang="en-US" sz="2000" dirty="0" smtClean="0"/>
-              <a:t>voltage, </a:t>
-            </a:r>
-            <a:r>
-              <a:rPr lang="en-US" sz="2000" dirty="0" smtClean="0"/>
-              <a:t>from wide range of input sources</a:t>
-            </a:r>
-            <a:r>
-              <a:rPr lang="en-US" sz="2000" dirty="0" smtClean="0"/>
-              <a:t>.</a:t>
+              <a:t>To output variable regulated DC voltage, from wide range of input sources.</a:t>
             </a:r>
           </a:p>
           <a:p>
@@ -3610,35 +3541,7 @@
           <a:p>
             <a:r>
               <a:rPr lang="en-US" sz="2000" dirty="0" smtClean="0"/>
-              <a:t>Variable Bench Power supply designed </a:t>
-            </a:r>
-            <a:r>
-              <a:rPr lang="en-US" sz="2000" dirty="0" smtClean="0"/>
-              <a:t>to </a:t>
-            </a:r>
-            <a:r>
-              <a:rPr lang="en-US" sz="2000" dirty="0" smtClean="0"/>
-              <a:t>accept variety of </a:t>
-            </a:r>
-            <a:r>
-              <a:rPr lang="en-US" sz="2000" dirty="0" smtClean="0"/>
-              <a:t>input voltage </a:t>
-            </a:r>
-            <a:r>
-              <a:rPr lang="en-US" sz="2000" dirty="0" smtClean="0"/>
-              <a:t>sources, </a:t>
-            </a:r>
-            <a:r>
-              <a:rPr lang="en-US" sz="2000" dirty="0" smtClean="0"/>
-              <a:t>and provide desired DC output with </a:t>
-            </a:r>
-            <a:r>
-              <a:rPr lang="en-US" sz="2000" dirty="0" smtClean="0"/>
-              <a:t>input-output </a:t>
-            </a:r>
-            <a:r>
-              <a:rPr lang="en-US" sz="2000" dirty="0" smtClean="0"/>
-              <a:t>isolation, short circuit protection and reverse voltage protection.</a:t>
+              <a:t>Variable Bench Power supply designed to accept variety of input voltage sources, and provide desired DC output with input-output isolation, short circuit protection and reverse voltage protection.</a:t>
             </a:r>
           </a:p>
           <a:p>
@@ -3700,7 +3603,7 @@
         </p:nvSpPr>
         <p:spPr>
           <a:xfrm>
-            <a:off x="6791221" y="5052199"/>
+            <a:off x="6798372" y="4534614"/>
             <a:ext cx="1509622" cy="897148"/>
           </a:xfrm>
           <a:prstGeom prst="rect">
@@ -3751,7 +3654,19 @@
                 </a:solidFill>
                 <a:latin typeface="Consolas" panose="020B0609020204030204" pitchFamily="49" charset="0"/>
               </a:rPr>
-              <a:t>O/P V I Parameters</a:t>
+              <a:t>OUTPUT </a:t>
+            </a:r>
+            <a:r>
+              <a:rPr lang="en-IN" sz="1400" dirty="0" smtClean="0">
+                <a:solidFill>
+                  <a:schemeClr val="tx1">
+                    <a:lumMod val="75000"/>
+                    <a:lumOff val="25000"/>
+                  </a:schemeClr>
+                </a:solidFill>
+                <a:latin typeface="Consolas" panose="020B0609020204030204" pitchFamily="49" charset="0"/>
+              </a:rPr>
+              <a:t>V I Parameters</a:t>
             </a:r>
             <a:endParaRPr lang="en-US" sz="1400" dirty="0">
               <a:solidFill>
@@ -3773,7 +3688,7 @@
         </p:nvSpPr>
         <p:spPr>
           <a:xfrm>
-            <a:off x="10437960" y="1977105"/>
+            <a:off x="10563043" y="2002984"/>
             <a:ext cx="1268084" cy="584775"/>
           </a:xfrm>
           <a:prstGeom prst="rect">
@@ -3800,8 +3715,29 @@
                 </a:solidFill>
                 <a:latin typeface="Consolas" panose="020B0609020204030204" pitchFamily="49" charset="0"/>
               </a:rPr>
-              <a:t>Regulated DC O/P</a:t>
-            </a:r>
+              <a:t>Regulated </a:t>
+            </a:r>
+            <a:r>
+              <a:rPr lang="en-IN" sz="1600" b="1" dirty="0" smtClean="0">
+                <a:solidFill>
+                  <a:schemeClr val="tx1">
+                    <a:lumMod val="75000"/>
+                    <a:lumOff val="25000"/>
+                  </a:schemeClr>
+                </a:solidFill>
+                <a:latin typeface="Consolas" panose="020B0609020204030204" pitchFamily="49" charset="0"/>
+              </a:rPr>
+              <a:t>DC OUTPUT</a:t>
+            </a:r>
+            <a:endParaRPr lang="en-IN" sz="1600" b="1" dirty="0" smtClean="0">
+              <a:solidFill>
+                <a:schemeClr val="tx1">
+                  <a:lumMod val="75000"/>
+                  <a:lumOff val="25000"/>
+                </a:schemeClr>
+              </a:solidFill>
+              <a:latin typeface="Consolas" panose="020B0609020204030204" pitchFamily="49" charset="0"/>
+            </a:endParaRPr>
           </a:p>
         </p:txBody>
       </p:sp>
@@ -3886,7 +3822,7 @@
         </p:nvSpPr>
         <p:spPr>
           <a:xfrm>
-            <a:off x="2032958" y="1326871"/>
+            <a:off x="2043359" y="4534614"/>
             <a:ext cx="1641895" cy="897148"/>
           </a:xfrm>
           <a:prstGeom prst="rect">
@@ -3937,22 +3873,7 @@
                 </a:solidFill>
                 <a:latin typeface="Consolas" panose="020B0609020204030204" pitchFamily="49" charset="0"/>
               </a:rPr>
-              <a:t>Transformer</a:t>
-            </a:r>
-          </a:p>
-          <a:p>
-            <a:pPr algn="ctr"/>
-            <a:r>
-              <a:rPr lang="en-IN" sz="1600" dirty="0" smtClean="0">
-                <a:solidFill>
-                  <a:schemeClr val="tx1">
-                    <a:lumMod val="75000"/>
-                    <a:lumOff val="25000"/>
-                  </a:schemeClr>
-                </a:solidFill>
-                <a:latin typeface="Consolas" panose="020B0609020204030204" pitchFamily="49" charset="0"/>
-              </a:rPr>
-              <a:t>&amp; Rectifier</a:t>
+              <a:t>SMPS AC TO DC CONVERTER</a:t>
             </a:r>
             <a:endParaRPr lang="en-US" sz="1600" dirty="0">
               <a:solidFill>
@@ -3974,7 +3895,7 @@
         </p:nvSpPr>
         <p:spPr>
           <a:xfrm>
-            <a:off x="5124166" y="1326872"/>
+            <a:off x="4974564" y="1326871"/>
             <a:ext cx="1641895" cy="897148"/>
           </a:xfrm>
           <a:prstGeom prst="rect">
@@ -4047,8 +3968,8 @@
         </p:nvSpPr>
         <p:spPr>
           <a:xfrm>
-            <a:off x="8326003" y="1326872"/>
-            <a:ext cx="1641895" cy="897148"/>
+            <a:off x="8195037" y="1326872"/>
+            <a:ext cx="1772861" cy="897148"/>
           </a:xfrm>
           <a:prstGeom prst="rect">
             <a:avLst/>
@@ -4098,7 +4019,7 @@
                 </a:solidFill>
                 <a:latin typeface="Consolas" panose="020B0609020204030204" pitchFamily="49" charset="0"/>
               </a:rPr>
-              <a:t>Smoothing</a:t>
+              <a:t>Voltage &amp; Current Sensor</a:t>
             </a:r>
             <a:endParaRPr lang="en-US" sz="1600" dirty="0">
               <a:solidFill>
@@ -4164,8 +4085,8 @@
         </p:nvCxnSpPr>
         <p:spPr>
           <a:xfrm flipV="1">
-            <a:off x="7546032" y="4155054"/>
-            <a:ext cx="7152" cy="897145"/>
+            <a:off x="7553183" y="4155054"/>
+            <a:ext cx="1" cy="379560"/>
           </a:xfrm>
           <a:prstGeom prst="straightConnector1">
             <a:avLst/>
@@ -4199,20 +4120,18 @@
         <p:nvCxnSpPr>
           <p:cNvPr id="16" name="Elbow Connector 15"/>
           <p:cNvCxnSpPr>
-            <a:stCxn id="10" idx="3"/>
+            <a:stCxn id="10" idx="2"/>
             <a:endCxn id="7" idx="3"/>
           </p:cNvCxnSpPr>
           <p:nvPr/>
         </p:nvCxnSpPr>
         <p:spPr>
-          <a:xfrm flipH="1">
-            <a:off x="8489908" y="1775446"/>
-            <a:ext cx="1477990" cy="1931034"/>
+          <a:xfrm rot="5400000">
+            <a:off x="8044458" y="2669470"/>
+            <a:ext cx="1482460" cy="591560"/>
           </a:xfrm>
-          <a:prstGeom prst="bentConnector3">
-            <a:avLst>
-              <a:gd name="adj1" fmla="val -15467"/>
-            </a:avLst>
+          <a:prstGeom prst="bentConnector2">
+            <a:avLst/>
           </a:prstGeom>
           <a:ln w="57150">
             <a:solidFill>
@@ -4250,8 +4169,8 @@
         </p:nvCxnSpPr>
         <p:spPr>
           <a:xfrm rot="16200000" flipV="1">
-            <a:off x="6232206" y="1936928"/>
-            <a:ext cx="1033886" cy="1608070"/>
+            <a:off x="6157405" y="1862127"/>
+            <a:ext cx="1033887" cy="1757672"/>
           </a:xfrm>
           <a:prstGeom prst="bentConnector3">
             <a:avLst>
@@ -4294,50 +4213,8 @@
         </p:nvCxnSpPr>
         <p:spPr>
           <a:xfrm>
-            <a:off x="6766061" y="1775446"/>
-            <a:ext cx="1559942" cy="0"/>
-          </a:xfrm>
-          <a:prstGeom prst="straightConnector1">
-            <a:avLst/>
-          </a:prstGeom>
-          <a:ln w="57150">
-            <a:solidFill>
-              <a:schemeClr val="tx1">
-                <a:lumMod val="75000"/>
-                <a:lumOff val="25000"/>
-              </a:schemeClr>
-            </a:solidFill>
-            <a:tailEnd type="triangle"/>
-          </a:ln>
-        </p:spPr>
-        <p:style>
-          <a:lnRef idx="1">
-            <a:schemeClr val="accent1"/>
-          </a:lnRef>
-          <a:fillRef idx="0">
-            <a:schemeClr val="accent1"/>
-          </a:fillRef>
-          <a:effectRef idx="0">
-            <a:schemeClr val="accent1"/>
-          </a:effectRef>
-          <a:fontRef idx="minor">
-            <a:schemeClr val="tx1"/>
-          </a:fontRef>
-        </p:style>
-      </p:cxnSp>
-      <p:cxnSp>
-        <p:nvCxnSpPr>
-          <p:cNvPr id="27" name="Straight Arrow Connector 26"/>
-          <p:cNvCxnSpPr>
-            <a:stCxn id="8" idx="3"/>
-            <a:endCxn id="9" idx="1"/>
-          </p:cNvCxnSpPr>
-          <p:nvPr/>
-        </p:nvCxnSpPr>
-        <p:spPr>
-          <a:xfrm>
-            <a:off x="3674853" y="1775445"/>
-            <a:ext cx="1449313" cy="1"/>
+            <a:off x="6616459" y="1775445"/>
+            <a:ext cx="1578578" cy="1"/>
           </a:xfrm>
           <a:prstGeom prst="straightConnector1">
             <a:avLst/>
@@ -4377,7 +4254,7 @@
         </p:nvCxnSpPr>
         <p:spPr>
           <a:xfrm>
-            <a:off x="785004" y="1775445"/>
+            <a:off x="795405" y="4983188"/>
             <a:ext cx="1247954" cy="0"/>
           </a:xfrm>
           <a:prstGeom prst="straightConnector1">
@@ -4416,8 +4293,8 @@
         </p:nvSpPr>
         <p:spPr>
           <a:xfrm>
-            <a:off x="473016" y="1294290"/>
-            <a:ext cx="1268084" cy="338554"/>
+            <a:off x="120386" y="4508848"/>
+            <a:ext cx="1350037" cy="338554"/>
           </a:xfrm>
           <a:prstGeom prst="rect">
             <a:avLst/>
@@ -4443,8 +4320,29 @@
                 </a:solidFill>
                 <a:latin typeface="Consolas" panose="020B0609020204030204" pitchFamily="49" charset="0"/>
               </a:rPr>
-              <a:t>~ AC I/P</a:t>
-            </a:r>
+              <a:t>~ AC </a:t>
+            </a:r>
+            <a:r>
+              <a:rPr lang="en-IN" sz="1600" b="1" dirty="0" smtClean="0">
+                <a:solidFill>
+                  <a:schemeClr val="tx1">
+                    <a:lumMod val="75000"/>
+                    <a:lumOff val="25000"/>
+                  </a:schemeClr>
+                </a:solidFill>
+                <a:latin typeface="Consolas" panose="020B0609020204030204" pitchFamily="49" charset="0"/>
+              </a:rPr>
+              <a:t>INPUT</a:t>
+            </a:r>
+            <a:endParaRPr lang="en-IN" sz="1600" b="1" dirty="0" smtClean="0">
+              <a:solidFill>
+                <a:schemeClr val="tx1">
+                  <a:lumMod val="75000"/>
+                  <a:lumOff val="25000"/>
+                </a:schemeClr>
+              </a:solidFill>
+              <a:latin typeface="Consolas" panose="020B0609020204030204" pitchFamily="49" charset="0"/>
+            </a:endParaRPr>
           </a:p>
         </p:txBody>
       </p:sp>
@@ -4456,7 +4354,7 @@
         </p:nvSpPr>
         <p:spPr>
           <a:xfrm>
-            <a:off x="3646176" y="3257906"/>
+            <a:off x="2043359" y="2457880"/>
             <a:ext cx="1641895" cy="897148"/>
           </a:xfrm>
           <a:prstGeom prst="rect">
@@ -4491,7 +4389,7 @@
           <a:p>
             <a:pPr algn="ctr"/>
             <a:r>
-              <a:rPr lang="en-IN" sz="1600" b="1" dirty="0" smtClean="0">
+              <a:rPr lang="en-US" sz="1600" b="1" dirty="0" smtClean="0">
                 <a:solidFill>
                   <a:schemeClr val="tx1">
                     <a:lumMod val="75000"/>
@@ -4500,7 +4398,7 @@
                 </a:solidFill>
                 <a:latin typeface="Consolas" panose="020B0609020204030204" pitchFamily="49" charset="0"/>
               </a:rPr>
-              <a:t>DC Source</a:t>
+              <a:t>DC INPUT (OPT)</a:t>
             </a:r>
             <a:endParaRPr lang="en-US" sz="1600" b="1" dirty="0">
               <a:solidFill>
@@ -4516,17 +4414,127 @@
       </p:sp>
       <p:cxnSp>
         <p:nvCxnSpPr>
-          <p:cNvPr id="54" name="Straight Arrow Connector 53"/>
+          <p:cNvPr id="57" name="Straight Arrow Connector 56"/>
           <p:cNvCxnSpPr>
-            <a:stCxn id="45" idx="3"/>
+            <a:stCxn id="8" idx="0"/>
+            <a:endCxn id="45" idx="2"/>
+          </p:cNvCxnSpPr>
+          <p:nvPr/>
+        </p:nvCxnSpPr>
+        <p:spPr>
+          <a:xfrm flipV="1">
+            <a:off x="2864307" y="3355028"/>
+            <a:ext cx="0" cy="1179586"/>
+          </a:xfrm>
+          <a:prstGeom prst="straightConnector1">
+            <a:avLst/>
+          </a:prstGeom>
+          <a:ln w="57150">
+            <a:solidFill>
+              <a:schemeClr val="tx1">
+                <a:lumMod val="75000"/>
+                <a:lumOff val="25000"/>
+              </a:schemeClr>
+            </a:solidFill>
+            <a:tailEnd type="triangle"/>
+          </a:ln>
+        </p:spPr>
+        <p:style>
+          <a:lnRef idx="1">
+            <a:schemeClr val="accent1"/>
+          </a:lnRef>
+          <a:fillRef idx="0">
+            <a:schemeClr val="accent1"/>
+          </a:fillRef>
+          <a:effectRef idx="0">
+            <a:schemeClr val="accent1"/>
+          </a:effectRef>
+          <a:fontRef idx="minor">
+            <a:schemeClr val="tx1"/>
+          </a:fontRef>
+        </p:style>
+      </p:cxnSp>
+      <p:sp>
+        <p:nvSpPr>
+          <p:cNvPr id="36" name="Rectangle 35"/>
+          <p:cNvSpPr/>
+          <p:nvPr/>
+        </p:nvSpPr>
+        <p:spPr>
+          <a:xfrm>
+            <a:off x="4511808" y="3366533"/>
+            <a:ext cx="1283703" cy="679894"/>
+          </a:xfrm>
+          <a:prstGeom prst="rect">
+            <a:avLst/>
+          </a:prstGeom>
+          <a:solidFill>
+            <a:srgbClr val="D9D9D9"/>
+          </a:solidFill>
+          <a:ln w="19050">
+            <a:solidFill>
+              <a:srgbClr val="404040"/>
+            </a:solidFill>
+          </a:ln>
+        </p:spPr>
+        <p:style>
+          <a:lnRef idx="2">
+            <a:schemeClr val="accent6">
+              <a:shade val="50000"/>
+            </a:schemeClr>
+          </a:lnRef>
+          <a:fillRef idx="1">
+            <a:schemeClr val="accent6"/>
+          </a:fillRef>
+          <a:effectRef idx="0">
+            <a:schemeClr val="accent6"/>
+          </a:effectRef>
+          <a:fontRef idx="minor">
+            <a:schemeClr val="lt1"/>
+          </a:fontRef>
+        </p:style>
+        <p:txBody>
+          <a:bodyPr rtlCol="0" anchor="ctr"/>
+          <a:lstStyle/>
+          <a:p>
+            <a:pPr algn="ctr"/>
+            <a:r>
+              <a:rPr lang="en-US" sz="1600" dirty="0" smtClean="0">
+                <a:solidFill>
+                  <a:schemeClr val="tx1">
+                    <a:lumMod val="75000"/>
+                    <a:lumOff val="25000"/>
+                  </a:schemeClr>
+                </a:solidFill>
+                <a:latin typeface="Consolas" panose="020B0609020204030204" pitchFamily="49" charset="0"/>
+              </a:rPr>
+              <a:t>5V DC REGULATOR</a:t>
+            </a:r>
+            <a:endParaRPr lang="en-US" sz="1600" dirty="0">
+              <a:solidFill>
+                <a:schemeClr val="tx1">
+                  <a:lumMod val="75000"/>
+                  <a:lumOff val="25000"/>
+                </a:schemeClr>
+              </a:solidFill>
+              <a:latin typeface="Consolas" panose="020B0609020204030204" pitchFamily="49" charset="0"/>
+            </a:endParaRPr>
+          </a:p>
+        </p:txBody>
+      </p:sp>
+      <p:cxnSp>
+        <p:nvCxnSpPr>
+          <p:cNvPr id="63" name="Straight Arrow Connector 62"/>
+          <p:cNvCxnSpPr>
+            <a:stCxn id="36" idx="3"/>
             <a:endCxn id="7" idx="1"/>
           </p:cNvCxnSpPr>
           <p:nvPr/>
         </p:nvCxnSpPr>
         <p:spPr>
           <a:xfrm>
-            <a:off x="5288071" y="3706480"/>
-            <a:ext cx="1328388" cy="0"/>
+            <a:off x="5795511" y="3706480"/>
+            <a:ext cx="820948" cy="0"/>
           </a:xfrm>
           <a:prstGeom prst="straightConnector1">
             <a:avLst/>
@@ -4558,18 +4566,61 @@
       </p:cxnSp>
       <p:cxnSp>
         <p:nvCxnSpPr>
-          <p:cNvPr id="57" name="Straight Arrow Connector 56"/>
+          <p:cNvPr id="66" name="Elbow Connector 65"/>
           <p:cNvCxnSpPr>
             <a:stCxn id="45" idx="0"/>
+            <a:endCxn id="9" idx="1"/>
           </p:cNvCxnSpPr>
           <p:nvPr/>
         </p:nvCxnSpPr>
         <p:spPr>
-          <a:xfrm flipH="1" flipV="1">
-            <a:off x="4467123" y="1775445"/>
-            <a:ext cx="1" cy="1482461"/>
+          <a:xfrm rot="5400000" flipH="1" flipV="1">
+            <a:off x="3578218" y="1061535"/>
+            <a:ext cx="682435" cy="2110257"/>
           </a:xfrm>
-          <a:prstGeom prst="straightConnector1">
+          <a:prstGeom prst="bentConnector2">
+            <a:avLst/>
+          </a:prstGeom>
+          <a:ln w="57150">
+            <a:solidFill>
+              <a:schemeClr val="tx1">
+                <a:lumMod val="75000"/>
+                <a:lumOff val="25000"/>
+              </a:schemeClr>
+            </a:solidFill>
+            <a:tailEnd type="triangle"/>
+          </a:ln>
+        </p:spPr>
+        <p:style>
+          <a:lnRef idx="1">
+            <a:schemeClr val="accent1"/>
+          </a:lnRef>
+          <a:fillRef idx="0">
+            <a:schemeClr val="accent1"/>
+          </a:fillRef>
+          <a:effectRef idx="0">
+            <a:schemeClr val="accent1"/>
+          </a:effectRef>
+          <a:fontRef idx="minor">
+            <a:schemeClr val="tx1"/>
+          </a:fontRef>
+        </p:style>
+      </p:cxnSp>
+      <p:cxnSp>
+        <p:nvCxnSpPr>
+          <p:cNvPr id="72" name="Elbow Connector 71"/>
+          <p:cNvCxnSpPr>
+            <a:stCxn id="45" idx="3"/>
+            <a:endCxn id="36" idx="0"/>
+          </p:cNvCxnSpPr>
+          <p:nvPr/>
+        </p:nvCxnSpPr>
+        <p:spPr>
+          <a:xfrm>
+            <a:off x="3685254" y="2906454"/>
+            <a:ext cx="1468406" cy="460079"/>
+          </a:xfrm>
+          <a:prstGeom prst="bentConnector2">
             <a:avLst/>
           </a:prstGeom>
           <a:ln w="57150">
